--- a/High-Quality Code/15. Development Tools/Development Tools.pptx
+++ b/High-Quality Code/15. Development Tools/Development Tools.pptx
@@ -378,7 +378,7 @@
             <a:fld id="{3BF7C7B5-275F-4D1F-9AB4-9255447DBC73}" type="datetimeFigureOut">
               <a:rPr lang="en-US"/>
               <a:pPr/>
-              <a:t>29-Apr-14</a:t>
+              <a:t>6/20/2014</a:t>
             </a:fld>
             <a:endParaRPr lang="en-US" dirty="0"/>
           </a:p>
@@ -609,7 +609,7 @@
             <a:fld id="{9B46F231-FB2B-4655-A644-E2477325E686}" type="datetimeFigureOut">
               <a:rPr lang="en-US"/>
               <a:pPr/>
-              <a:t>29-Apr-14</a:t>
+              <a:t>6/20/2014</a:t>
             </a:fld>
             <a:endParaRPr lang="en-US" dirty="0"/>
           </a:p>
@@ -13037,7 +13037,7 @@
 </file>
 
 <file path=ppt/slides/slide17.xml><?xml version="1.0" encoding="utf-8"?>
-<p:sld xmlns:a="http://schemas.openxmlformats.org/drawingml/2006/main" xmlns:r="http://schemas.openxmlformats.org/officeDocument/2006/relationships" xmlns:p="http://schemas.openxmlformats.org/presentationml/2006/main">
+<p:sld xmlns:a="http://schemas.openxmlformats.org/drawingml/2006/main" xmlns:r="http://schemas.openxmlformats.org/officeDocument/2006/relationships" xmlns:p="http://schemas.openxmlformats.org/presentationml/2006/main" show="0">
   <p:cSld>
     <p:spTree>
       <p:nvGrpSpPr>
@@ -13178,11 +13178,11 @@
   <p:clrMapOvr>
     <a:masterClrMapping/>
   </p:clrMapOvr>
-  <mc:AlternateContent xmlns:mc="http://schemas.openxmlformats.org/markup-compatibility/2006" xmlns:p14="http://schemas.microsoft.com/office/powerpoint/2010/main">
-    <mc:Choice Requires="p14">
+  <mc:AlternateContent xmlns:mc="http://schemas.openxmlformats.org/markup-compatibility/2006">
+    <mc:Choice xmlns:p14="http://schemas.microsoft.com/office/powerpoint/2010/main" Requires="p14">
       <p:transition spd="slow" p14:dur="2000"/>
     </mc:Choice>
-    <mc:Fallback xmlns="">
+    <mc:Fallback>
       <p:transition spd="slow"/>
     </mc:Fallback>
   </mc:AlternateContent>
@@ -13375,7 +13375,7 @@
 </file>
 
 <file path=ppt/slides/slide19.xml><?xml version="1.0" encoding="utf-8"?>
-<p:sld xmlns:a="http://schemas.openxmlformats.org/drawingml/2006/main" xmlns:r="http://schemas.openxmlformats.org/officeDocument/2006/relationships" xmlns:p="http://schemas.openxmlformats.org/presentationml/2006/main">
+<p:sld xmlns:a="http://schemas.openxmlformats.org/drawingml/2006/main" xmlns:r="http://schemas.openxmlformats.org/officeDocument/2006/relationships" xmlns:p="http://schemas.openxmlformats.org/presentationml/2006/main" show="0">
   <p:cSld>
     <p:spTree>
       <p:nvGrpSpPr>
@@ -13501,11 +13501,11 @@
   <p:clrMapOvr>
     <a:masterClrMapping/>
   </p:clrMapOvr>
-  <mc:AlternateContent xmlns:mc="http://schemas.openxmlformats.org/markup-compatibility/2006" xmlns:p14="http://schemas.microsoft.com/office/powerpoint/2010/main">
-    <mc:Choice Requires="p14">
+  <mc:AlternateContent xmlns:mc="http://schemas.openxmlformats.org/markup-compatibility/2006">
+    <mc:Choice xmlns:p14="http://schemas.microsoft.com/office/powerpoint/2010/main" Requires="p14">
       <p:transition spd="slow" p14:dur="2000"/>
     </mc:Choice>
-    <mc:Fallback xmlns="">
+    <mc:Fallback>
       <p:transition spd="slow"/>
     </mc:Fallback>
   </mc:AlternateContent>
@@ -13987,7 +13987,7 @@
 </file>
 
 <file path=ppt/slides/slide21.xml><?xml version="1.0" encoding="utf-8"?>
-<p:sld xmlns:a="http://schemas.openxmlformats.org/drawingml/2006/main" xmlns:r="http://schemas.openxmlformats.org/officeDocument/2006/relationships" xmlns:p="http://schemas.openxmlformats.org/presentationml/2006/main">
+<p:sld xmlns:a="http://schemas.openxmlformats.org/drawingml/2006/main" xmlns:r="http://schemas.openxmlformats.org/officeDocument/2006/relationships" xmlns:p="http://schemas.openxmlformats.org/presentationml/2006/main" show="0">
   <p:cSld>
     <p:spTree>
       <p:nvGrpSpPr>
@@ -14119,11 +14119,11 @@
   <p:clrMapOvr>
     <a:masterClrMapping/>
   </p:clrMapOvr>
-  <mc:AlternateContent xmlns:mc="http://schemas.openxmlformats.org/markup-compatibility/2006" xmlns:p14="http://schemas.microsoft.com/office/powerpoint/2010/main">
-    <mc:Choice Requires="p14">
+  <mc:AlternateContent xmlns:mc="http://schemas.openxmlformats.org/markup-compatibility/2006">
+    <mc:Choice xmlns:p14="http://schemas.microsoft.com/office/powerpoint/2010/main" Requires="p14">
       <p:transition spd="slow" p14:dur="2000"/>
     </mc:Choice>
-    <mc:Fallback xmlns="">
+    <mc:Fallback>
       <p:transition spd="slow"/>
     </mc:Fallback>
   </mc:AlternateContent>
@@ -21487,7 +21487,7 @@
 </file>
 
 <file path=ppt/slides/slide45.xml><?xml version="1.0" encoding="utf-8"?>
-<p:sld xmlns:a="http://schemas.openxmlformats.org/drawingml/2006/main" xmlns:r="http://schemas.openxmlformats.org/officeDocument/2006/relationships" xmlns:p="http://schemas.openxmlformats.org/presentationml/2006/main">
+<p:sld xmlns:a="http://schemas.openxmlformats.org/drawingml/2006/main" xmlns:r="http://schemas.openxmlformats.org/officeDocument/2006/relationships" xmlns:p="http://schemas.openxmlformats.org/presentationml/2006/main" show="0">
   <p:cSld>
     <p:spTree>
       <p:nvGrpSpPr>
@@ -21658,6 +21658,14 @@
   <p:clrMapOvr>
     <a:masterClrMapping/>
   </p:clrMapOvr>
+  <mc:AlternateContent xmlns:mc="http://schemas.openxmlformats.org/markup-compatibility/2006">
+    <mc:Choice xmlns:p14="http://schemas.microsoft.com/office/powerpoint/2010/main" Requires="p14">
+      <p:transition spd="slow" p14:dur="2000"/>
+    </mc:Choice>
+    <mc:Fallback>
+      <p:transition spd="slow"/>
+    </mc:Fallback>
+  </mc:AlternateContent>
   <p:timing>
     <p:tnLst>
       <p:par>
@@ -23665,7 +23673,7 @@
           <a:p>
             <a:r>
               <a:rPr lang="en-US" dirty="0" err="1" smtClean="0"/>
-              <a:t>JustDecompile</a:t>
+              <a:t>JustDecompiler</a:t>
             </a:r>
             <a:endParaRPr lang="en-US" dirty="0"/>
           </a:p>
@@ -29712,7 +29720,7 @@
 </file>
 
 <file path=ppt/slides/slide76.xml><?xml version="1.0" encoding="utf-8"?>
-<p:sld xmlns:a="http://schemas.openxmlformats.org/drawingml/2006/main" xmlns:r="http://schemas.openxmlformats.org/officeDocument/2006/relationships" xmlns:p="http://schemas.openxmlformats.org/presentationml/2006/main">
+<p:sld xmlns:a="http://schemas.openxmlformats.org/drawingml/2006/main" xmlns:r="http://schemas.openxmlformats.org/officeDocument/2006/relationships" xmlns:p="http://schemas.openxmlformats.org/presentationml/2006/main" show="0">
   <p:cSld>
     <p:spTree>
       <p:nvGrpSpPr>
@@ -29831,6 +29839,14 @@
   <p:clrMapOvr>
     <a:masterClrMapping/>
   </p:clrMapOvr>
+  <mc:AlternateContent xmlns:mc="http://schemas.openxmlformats.org/markup-compatibility/2006">
+    <mc:Choice xmlns:p14="http://schemas.microsoft.com/office/powerpoint/2010/main" Requires="p14">
+      <p:transition spd="slow" p14:dur="2000"/>
+    </mc:Choice>
+    <mc:Fallback>
+      <p:transition spd="slow"/>
+    </mc:Fallback>
+  </mc:AlternateContent>
   <p:timing>
     <p:tnLst>
       <p:par>
